--- a/GSB/Portfolio/PP_Portfolio.pptx
+++ b/GSB/Portfolio/PP_Portfolio.pptx
@@ -451,7 +451,7 @@
             <a:fld id="{B61BEF0D-F0BB-DE4B-95CE-6DB70DBA9567}" type="datetimeFigureOut">
               <a:rPr lang="en-US" dirty="0"/>
               <a:pPr/>
-              <a:t>4/7/2017</a:t>
+              <a:t>4/27/2017</a:t>
             </a:fld>
             <a:endParaRPr lang="en-US" dirty="0"/>
           </a:p>
@@ -772,7 +772,7 @@
             <a:fld id="{B61BEF0D-F0BB-DE4B-95CE-6DB70DBA9567}" type="datetimeFigureOut">
               <a:rPr lang="en-US" dirty="0"/>
               <a:pPr/>
-              <a:t>4/7/2017</a:t>
+              <a:t>4/27/2017</a:t>
             </a:fld>
             <a:endParaRPr lang="en-US" dirty="0"/>
           </a:p>
@@ -1017,7 +1017,7 @@
             <a:fld id="{B61BEF0D-F0BB-DE4B-95CE-6DB70DBA9567}" type="datetimeFigureOut">
               <a:rPr lang="en-US" dirty="0"/>
               <a:pPr/>
-              <a:t>4/7/2017</a:t>
+              <a:t>4/27/2017</a:t>
             </a:fld>
             <a:endParaRPr lang="en-US" dirty="0"/>
           </a:p>
@@ -1353,7 +1353,7 @@
             <a:fld id="{B61BEF0D-F0BB-DE4B-95CE-6DB70DBA9567}" type="datetimeFigureOut">
               <a:rPr lang="en-US" dirty="0"/>
               <a:pPr/>
-              <a:t>4/7/2017</a:t>
+              <a:t>4/27/2017</a:t>
             </a:fld>
             <a:endParaRPr lang="en-US" dirty="0"/>
           </a:p>
@@ -1697,7 +1697,7 @@
             <a:fld id="{B61BEF0D-F0BB-DE4B-95CE-6DB70DBA9567}" type="datetimeFigureOut">
               <a:rPr lang="en-US" dirty="0"/>
               <a:pPr/>
-              <a:t>4/7/2017</a:t>
+              <a:t>4/27/2017</a:t>
             </a:fld>
             <a:endParaRPr lang="en-US" dirty="0"/>
           </a:p>
@@ -2068,7 +2068,7 @@
             <a:fld id="{B61BEF0D-F0BB-DE4B-95CE-6DB70DBA9567}" type="datetimeFigureOut">
               <a:rPr lang="en-US" dirty="0"/>
               <a:pPr/>
-              <a:t>4/7/2017</a:t>
+              <a:t>4/27/2017</a:t>
             </a:fld>
             <a:endParaRPr lang="en-US" dirty="0"/>
           </a:p>
@@ -2535,7 +2535,7 @@
             <a:fld id="{B61BEF0D-F0BB-DE4B-95CE-6DB70DBA9567}" type="datetimeFigureOut">
               <a:rPr lang="en-US" dirty="0"/>
               <a:pPr/>
-              <a:t>4/7/2017</a:t>
+              <a:t>4/27/2017</a:t>
             </a:fld>
             <a:endParaRPr lang="en-US" dirty="0"/>
           </a:p>
@@ -2737,7 +2737,7 @@
             <a:fld id="{B61BEF0D-F0BB-DE4B-95CE-6DB70DBA9567}" type="datetimeFigureOut">
               <a:rPr lang="en-US" dirty="0"/>
               <a:pPr/>
-              <a:t>4/7/2017</a:t>
+              <a:t>4/27/2017</a:t>
             </a:fld>
             <a:endParaRPr lang="en-US" dirty="0"/>
           </a:p>
@@ -2945,7 +2945,7 @@
             <a:fld id="{B61BEF0D-F0BB-DE4B-95CE-6DB70DBA9567}" type="datetimeFigureOut">
               <a:rPr lang="en-US" dirty="0"/>
               <a:pPr/>
-              <a:t>4/7/2017</a:t>
+              <a:t>4/27/2017</a:t>
             </a:fld>
             <a:endParaRPr lang="en-US" dirty="0"/>
           </a:p>
@@ -3173,7 +3173,7 @@
           <a:p>
             <a:fld id="{52647F38-B617-4D2F-AE0A-013F0C4D2C57}" type="datetimeFigureOut">
               <a:rPr lang="en-US" dirty="0"/>
-              <a:t>4/7/2017</a:t>
+              <a:t>4/27/2017</a:t>
             </a:fld>
             <a:endParaRPr lang="en-US" dirty="0"/>
           </a:p>
@@ -3417,7 +3417,7 @@
             <a:fld id="{B61BEF0D-F0BB-DE4B-95CE-6DB70DBA9567}" type="datetimeFigureOut">
               <a:rPr lang="en-US" dirty="0"/>
               <a:pPr/>
-              <a:t>4/7/2017</a:t>
+              <a:t>4/27/2017</a:t>
             </a:fld>
             <a:endParaRPr lang="en-US" dirty="0"/>
           </a:p>
@@ -3711,7 +3711,7 @@
           <a:p>
             <a:fld id="{05BFA754-D5C3-4E66-96A6-867B257F58DC}" type="datetimeFigureOut">
               <a:rPr lang="en-US" dirty="0"/>
-              <a:t>4/7/2017</a:t>
+              <a:t>4/27/2017</a:t>
             </a:fld>
             <a:endParaRPr lang="en-US" dirty="0"/>
           </a:p>
@@ -4101,7 +4101,7 @@
             <a:fld id="{B61BEF0D-F0BB-DE4B-95CE-6DB70DBA9567}" type="datetimeFigureOut">
               <a:rPr lang="en-US" dirty="0"/>
               <a:pPr/>
-              <a:t>4/7/2017</a:t>
+              <a:t>4/27/2017</a:t>
             </a:fld>
             <a:endParaRPr lang="en-US" dirty="0"/>
           </a:p>
@@ -4247,7 +4247,7 @@
             <a:fld id="{B61BEF0D-F0BB-DE4B-95CE-6DB70DBA9567}" type="datetimeFigureOut">
               <a:rPr lang="en-US" dirty="0"/>
               <a:pPr/>
-              <a:t>4/7/2017</a:t>
+              <a:t>4/27/2017</a:t>
             </a:fld>
             <a:endParaRPr lang="en-US" dirty="0"/>
           </a:p>
@@ -4370,7 +4370,7 @@
             <a:fld id="{B61BEF0D-F0BB-DE4B-95CE-6DB70DBA9567}" type="datetimeFigureOut">
               <a:rPr lang="en-US" dirty="0"/>
               <a:pPr/>
-              <a:t>4/7/2017</a:t>
+              <a:t>4/27/2017</a:t>
             </a:fld>
             <a:endParaRPr lang="en-US" dirty="0"/>
           </a:p>
@@ -4622,7 +4622,7 @@
             <a:fld id="{B61BEF0D-F0BB-DE4B-95CE-6DB70DBA9567}" type="datetimeFigureOut">
               <a:rPr lang="en-US" dirty="0"/>
               <a:pPr/>
-              <a:t>4/7/2017</a:t>
+              <a:t>4/27/2017</a:t>
             </a:fld>
             <a:endParaRPr lang="en-US" dirty="0"/>
           </a:p>
@@ -4934,7 +4934,7 @@
             <a:fld id="{B61BEF0D-F0BB-DE4B-95CE-6DB70DBA9567}" type="datetimeFigureOut">
               <a:rPr lang="en-US" dirty="0"/>
               <a:pPr/>
-              <a:t>4/7/2017</a:t>
+              <a:t>4/27/2017</a:t>
             </a:fld>
             <a:endParaRPr lang="en-US" dirty="0"/>
           </a:p>
@@ -5282,7 +5282,7 @@
             <a:fld id="{B61BEF0D-F0BB-DE4B-95CE-6DB70DBA9567}" type="datetimeFigureOut">
               <a:rPr lang="en-US" dirty="0"/>
               <a:pPr/>
-              <a:t>4/7/2017</a:t>
+              <a:t>4/27/2017</a:t>
             </a:fld>
             <a:endParaRPr lang="en-US" dirty="0"/>
           </a:p>
@@ -5934,7 +5934,7 @@
           <a:p>
             <a:r>
               <a:rPr lang="fr-FR" dirty="0"/>
-              <a:t>SERAM Europe est fondée en 1986 par Hervé Durand.</a:t>
+              <a:t>Fondée en 1986 par Hervé Durand.</a:t>
             </a:r>
           </a:p>
           <a:p>
@@ -5952,13 +5952,13 @@
           <a:p>
             <a:r>
               <a:rPr lang="fr-FR" dirty="0"/>
-              <a:t>Service informatique composé de 5 personnes.</a:t>
+              <a:t>17M€ de CA en 2016</a:t>
             </a:r>
           </a:p>
           <a:p>
             <a:r>
               <a:rPr lang="fr-FR" dirty="0"/>
-              <a:t>Utilisation d’OpenERP</a:t>
+              <a:t>5 informaticiens</a:t>
             </a:r>
           </a:p>
         </p:txBody>
@@ -6111,7 +6111,7 @@
           <a:p>
             <a:r>
               <a:rPr lang="fr-FR" dirty="0"/>
-              <a:t>Application de saisie de jeux vidéos</a:t>
+              <a:t>Application de saisie de tests jeux vidéos</a:t>
             </a:r>
           </a:p>
         </p:txBody>
@@ -6301,13 +6301,13 @@
         </p:spPr>
         <p:txBody>
           <a:bodyPr>
-            <a:normAutofit fontScale="90000"/>
+            <a:normAutofit/>
           </a:bodyPr>
           <a:lstStyle/>
           <a:p>
             <a:r>
               <a:rPr lang="fr-FR" dirty="0"/>
-              <a:t>Amélioration OpenERP / Création Pentaho</a:t>
+              <a:t>Maintenance évolutive</a:t>
             </a:r>
           </a:p>
         </p:txBody>
@@ -6399,7 +6399,7 @@
           <a:p>
             <a:r>
               <a:rPr lang="fr-FR" dirty="0"/>
-              <a:t>Correction OpenERP / Pentaho</a:t>
+              <a:t>Maintenance corrective</a:t>
             </a:r>
           </a:p>
         </p:txBody>
@@ -6516,7 +6516,7 @@
           <a:p>
             <a:r>
               <a:rPr lang="fr-FR" dirty="0"/>
-              <a:t>Recherche d’articles</a:t>
+              <a:t>Recherche d’articles et d’informations</a:t>
             </a:r>
           </a:p>
           <a:p>
@@ -6528,11 +6528,7 @@
           <a:p>
             <a:r>
               <a:rPr lang="fr-FR" dirty="0"/>
-              <a:t>Rédaction </a:t>
-            </a:r>
-            <a:r>
-              <a:rPr lang="fr-FR"/>
-              <a:t>de l’article</a:t>
+              <a:t>Rédaction de l’article</a:t>
             </a:r>
           </a:p>
         </p:txBody>
